--- a/presentation/Job-Fraud-Prediction-EDA-and-Modeling[1].pptx
+++ b/presentation/Job-Fraud-Prediction-EDA-and-Modeling[1].pptx
@@ -152,6 +152,35 @@
     </p:ext>
   </p:extLst>
 </p:presentation>
+</file>
+
+<file path=ppt/changesInfos/changesInfo1.xml><?xml version="1.0" encoding="utf-8"?>
+<pc:chgInfo xmlns:a="http://schemas.openxmlformats.org/drawingml/2006/main" xmlns:r="http://schemas.openxmlformats.org/officeDocument/2006/relationships" xmlns:ac="http://schemas.microsoft.com/office/drawing/2013/main/command" xmlns:pc="http://schemas.microsoft.com/office/powerpoint/2013/main/command">
+  <pc:docChgLst>
+    <pc:chgData name="Shovan Bera" userId="f6e8d794d2cc9304" providerId="LiveId" clId="{BB3326C4-E49D-49B5-B51D-3FA8F8AF9359}"/>
+    <pc:docChg chg="modSld">
+      <pc:chgData name="Shovan Bera" userId="f6e8d794d2cc9304" providerId="LiveId" clId="{BB3326C4-E49D-49B5-B51D-3FA8F8AF9359}" dt="2025-07-19T04:46:33.332" v="0" actId="20577"/>
+      <pc:docMkLst>
+        <pc:docMk/>
+      </pc:docMkLst>
+      <pc:sldChg chg="modSp mod">
+        <pc:chgData name="Shovan Bera" userId="f6e8d794d2cc9304" providerId="LiveId" clId="{BB3326C4-E49D-49B5-B51D-3FA8F8AF9359}" dt="2025-07-19T04:46:33.332" v="0" actId="20577"/>
+        <pc:sldMkLst>
+          <pc:docMk/>
+          <pc:sldMk cId="0" sldId="257"/>
+        </pc:sldMkLst>
+        <pc:spChg chg="mod">
+          <ac:chgData name="Shovan Bera" userId="f6e8d794d2cc9304" providerId="LiveId" clId="{BB3326C4-E49D-49B5-B51D-3FA8F8AF9359}" dt="2025-07-19T04:46:33.332" v="0" actId="20577"/>
+          <ac:spMkLst>
+            <pc:docMk/>
+            <pc:sldMk cId="0" sldId="257"/>
+            <ac:spMk id="6" creationId="{00000000-0000-0000-0000-000000000000}"/>
+          </ac:spMkLst>
+        </pc:spChg>
+      </pc:sldChg>
+    </pc:docChg>
+  </pc:docChgLst>
+</pc:chgInfo>
 </file>
 
 <file path=ppt/ink/ink1.xml><?xml version="1.0" encoding="utf-8"?>
@@ -1530,7 +1559,7 @@
             <a:fld id="{B61BEF0D-F0BB-DE4B-95CE-6DB70DBA9567}" type="datetimeFigureOut">
               <a:rPr lang="en-US" smtClean="0"/>
               <a:pPr/>
-              <a:t>12/15/2024</a:t>
+              <a:t>7/19/2025</a:t>
             </a:fld>
             <a:endParaRPr lang="en-US" dirty="0"/>
           </a:p>
@@ -1741,7 +1770,7 @@
             <a:fld id="{B61BEF0D-F0BB-DE4B-95CE-6DB70DBA9567}" type="datetimeFigureOut">
               <a:rPr lang="en-US" smtClean="0"/>
               <a:pPr/>
-              <a:t>12/15/2024</a:t>
+              <a:t>7/19/2025</a:t>
             </a:fld>
             <a:endParaRPr lang="en-US" dirty="0"/>
           </a:p>
@@ -2000,7 +2029,7 @@
             <a:fld id="{B61BEF0D-F0BB-DE4B-95CE-6DB70DBA9567}" type="datetimeFigureOut">
               <a:rPr lang="en-US" smtClean="0"/>
               <a:pPr/>
-              <a:t>12/15/2024</a:t>
+              <a:t>7/19/2025</a:t>
             </a:fld>
             <a:endParaRPr lang="en-US" dirty="0"/>
           </a:p>
@@ -2422,7 +2451,7 @@
             <a:fld id="{B61BEF0D-F0BB-DE4B-95CE-6DB70DBA9567}" type="datetimeFigureOut">
               <a:rPr lang="en-US" smtClean="0"/>
               <a:pPr/>
-              <a:t>12/15/2024</a:t>
+              <a:t>7/19/2025</a:t>
             </a:fld>
             <a:endParaRPr lang="en-US" dirty="0"/>
           </a:p>
@@ -2798,7 +2827,7 @@
             <a:fld id="{B61BEF0D-F0BB-DE4B-95CE-6DB70DBA9567}" type="datetimeFigureOut">
               <a:rPr lang="en-US" smtClean="0"/>
               <a:pPr/>
-              <a:t>12/15/2024</a:t>
+              <a:t>7/19/2025</a:t>
             </a:fld>
             <a:endParaRPr lang="en-US" dirty="0"/>
           </a:p>
@@ -3076,7 +3105,7 @@
             <a:fld id="{B61BEF0D-F0BB-DE4B-95CE-6DB70DBA9567}" type="datetimeFigureOut">
               <a:rPr lang="en-US" smtClean="0"/>
               <a:pPr/>
-              <a:t>12/15/2024</a:t>
+              <a:t>7/19/2025</a:t>
             </a:fld>
             <a:endParaRPr lang="en-US" dirty="0"/>
           </a:p>
@@ -3458,7 +3487,7 @@
             <a:fld id="{B61BEF0D-F0BB-DE4B-95CE-6DB70DBA9567}" type="datetimeFigureOut">
               <a:rPr lang="en-US" smtClean="0"/>
               <a:pPr/>
-              <a:t>12/15/2024</a:t>
+              <a:t>7/19/2025</a:t>
             </a:fld>
             <a:endParaRPr lang="en-US" dirty="0"/>
           </a:p>
@@ -3579,7 +3608,7 @@
             <a:fld id="{B61BEF0D-F0BB-DE4B-95CE-6DB70DBA9567}" type="datetimeFigureOut">
               <a:rPr lang="en-US" smtClean="0"/>
               <a:pPr/>
-              <a:t>12/15/2024</a:t>
+              <a:t>7/19/2025</a:t>
             </a:fld>
             <a:endParaRPr lang="en-US" dirty="0"/>
           </a:p>
@@ -3753,7 +3782,7 @@
             <a:fld id="{B61BEF0D-F0BB-DE4B-95CE-6DB70DBA9567}" type="datetimeFigureOut">
               <a:rPr lang="en-US" smtClean="0"/>
               <a:pPr/>
-              <a:t>12/15/2024</a:t>
+              <a:t>7/19/2025</a:t>
             </a:fld>
             <a:endParaRPr lang="en-US" dirty="0"/>
           </a:p>
@@ -4110,7 +4139,7 @@
             <a:fld id="{B61BEF0D-F0BB-DE4B-95CE-6DB70DBA9567}" type="datetimeFigureOut">
               <a:rPr lang="en-US" smtClean="0"/>
               <a:pPr/>
-              <a:t>12/15/2024</a:t>
+              <a:t>7/19/2025</a:t>
             </a:fld>
             <a:endParaRPr lang="en-US" dirty="0"/>
           </a:p>
@@ -4495,7 +4524,7 @@
             <a:fld id="{B61BEF0D-F0BB-DE4B-95CE-6DB70DBA9567}" type="datetimeFigureOut">
               <a:rPr lang="en-US" smtClean="0"/>
               <a:pPr/>
-              <a:t>12/15/2024</a:t>
+              <a:t>7/19/2025</a:t>
             </a:fld>
             <a:endParaRPr lang="en-US" dirty="0"/>
           </a:p>
@@ -4785,7 +4814,7 @@
             <a:fld id="{B61BEF0D-F0BB-DE4B-95CE-6DB70DBA9567}" type="datetimeFigureOut">
               <a:rPr lang="en-US" smtClean="0"/>
               <a:pPr/>
-              <a:t>12/15/2024</a:t>
+              <a:t>7/19/2025</a:t>
             </a:fld>
             <a:endParaRPr lang="en-US" dirty="0"/>
           </a:p>
@@ -7489,7 +7518,7 @@
                 <a:ea typeface="Tomorrow" pitchFamily="34" charset="-122"/>
                 <a:cs typeface="Tomorrow" pitchFamily="34" charset="-120"/>
               </a:rPr>
-              <a:t>This project aims to develop a model that effectively identifies fraudulent job postings based on various data features.</a:t>
+              <a:t>This project aims to develop a model that effectively identifies fraudulent job postings based on various data features. </a:t>
             </a:r>
             <a:endParaRPr lang="en-US" sz="1750" dirty="0"/>
           </a:p>
